--- a/content/eduquiz/doc/concept/files/pics.pptx
+++ b/content/eduquiz/doc/concept/files/pics.pptx
@@ -6,6 +6,7 @@
   </p:sldMasterIdLst>
   <p:sldIdLst>
     <p:sldId id="256" r:id="rId2"/>
+    <p:sldId id="257" r:id="rId3"/>
   </p:sldIdLst>
   <p:sldSz cx="9144000" cy="6858000" type="screen4x3"/>
   <p:notesSz cx="6858000" cy="9144000"/>
@@ -288,7 +289,7 @@
           <a:p>
             <a:fld id="{B4C71EC6-210F-42DE-9C53-41977AD35B3D}" type="datetimeFigureOut">
               <a:rPr lang="ru-RU" smtClean="0"/>
-              <a:t>15.11.2018</a:t>
+              <a:t>19.11.2018</a:t>
             </a:fld>
             <a:endParaRPr lang="ru-RU"/>
           </a:p>
@@ -453,7 +454,7 @@
           <a:p>
             <a:fld id="{B4C71EC6-210F-42DE-9C53-41977AD35B3D}" type="datetimeFigureOut">
               <a:rPr lang="ru-RU" smtClean="0"/>
-              <a:t>15.11.2018</a:t>
+              <a:t>19.11.2018</a:t>
             </a:fld>
             <a:endParaRPr lang="ru-RU"/>
           </a:p>
@@ -628,7 +629,7 @@
           <a:p>
             <a:fld id="{B4C71EC6-210F-42DE-9C53-41977AD35B3D}" type="datetimeFigureOut">
               <a:rPr lang="ru-RU" smtClean="0"/>
-              <a:t>15.11.2018</a:t>
+              <a:t>19.11.2018</a:t>
             </a:fld>
             <a:endParaRPr lang="ru-RU"/>
           </a:p>
@@ -793,7 +794,7 @@
           <a:p>
             <a:fld id="{B4C71EC6-210F-42DE-9C53-41977AD35B3D}" type="datetimeFigureOut">
               <a:rPr lang="ru-RU" smtClean="0"/>
-              <a:t>15.11.2018</a:t>
+              <a:t>19.11.2018</a:t>
             </a:fld>
             <a:endParaRPr lang="ru-RU"/>
           </a:p>
@@ -1034,7 +1035,7 @@
           <a:p>
             <a:fld id="{B4C71EC6-210F-42DE-9C53-41977AD35B3D}" type="datetimeFigureOut">
               <a:rPr lang="ru-RU" smtClean="0"/>
-              <a:t>15.11.2018</a:t>
+              <a:t>19.11.2018</a:t>
             </a:fld>
             <a:endParaRPr lang="ru-RU"/>
           </a:p>
@@ -1317,7 +1318,7 @@
           <a:p>
             <a:fld id="{B4C71EC6-210F-42DE-9C53-41977AD35B3D}" type="datetimeFigureOut">
               <a:rPr lang="ru-RU" smtClean="0"/>
-              <a:t>15.11.2018</a:t>
+              <a:t>19.11.2018</a:t>
             </a:fld>
             <a:endParaRPr lang="ru-RU"/>
           </a:p>
@@ -1734,7 +1735,7 @@
           <a:p>
             <a:fld id="{B4C71EC6-210F-42DE-9C53-41977AD35B3D}" type="datetimeFigureOut">
               <a:rPr lang="ru-RU" smtClean="0"/>
-              <a:t>15.11.2018</a:t>
+              <a:t>19.11.2018</a:t>
             </a:fld>
             <a:endParaRPr lang="ru-RU"/>
           </a:p>
@@ -1847,7 +1848,7 @@
           <a:p>
             <a:fld id="{B4C71EC6-210F-42DE-9C53-41977AD35B3D}" type="datetimeFigureOut">
               <a:rPr lang="ru-RU" smtClean="0"/>
-              <a:t>15.11.2018</a:t>
+              <a:t>19.11.2018</a:t>
             </a:fld>
             <a:endParaRPr lang="ru-RU"/>
           </a:p>
@@ -1937,7 +1938,7 @@
           <a:p>
             <a:fld id="{B4C71EC6-210F-42DE-9C53-41977AD35B3D}" type="datetimeFigureOut">
               <a:rPr lang="ru-RU" smtClean="0"/>
-              <a:t>15.11.2018</a:t>
+              <a:t>19.11.2018</a:t>
             </a:fld>
             <a:endParaRPr lang="ru-RU"/>
           </a:p>
@@ -2209,7 +2210,7 @@
           <a:p>
             <a:fld id="{B4C71EC6-210F-42DE-9C53-41977AD35B3D}" type="datetimeFigureOut">
               <a:rPr lang="ru-RU" smtClean="0"/>
-              <a:t>15.11.2018</a:t>
+              <a:t>19.11.2018</a:t>
             </a:fld>
             <a:endParaRPr lang="ru-RU"/>
           </a:p>
@@ -2457,7 +2458,7 @@
           <a:p>
             <a:fld id="{B4C71EC6-210F-42DE-9C53-41977AD35B3D}" type="datetimeFigureOut">
               <a:rPr lang="ru-RU" smtClean="0"/>
-              <a:t>15.11.2018</a:t>
+              <a:t>19.11.2018</a:t>
             </a:fld>
             <a:endParaRPr lang="ru-RU"/>
           </a:p>
@@ -2665,7 +2666,7 @@
           <a:p>
             <a:fld id="{B4C71EC6-210F-42DE-9C53-41977AD35B3D}" type="datetimeFigureOut">
               <a:rPr lang="ru-RU" smtClean="0"/>
-              <a:t>15.11.2018</a:t>
+              <a:t>19.11.2018</a:t>
             </a:fld>
             <a:endParaRPr lang="ru-RU"/>
           </a:p>
@@ -3191,6 +3192,1427 @@
 </p:sld>
 </file>
 
+<file path=ppt/slides/slide2.xml><?xml version="1.0" encoding="utf-8"?>
+<p:sld xmlns:a="http://schemas.openxmlformats.org/drawingml/2006/main" xmlns:r="http://schemas.openxmlformats.org/officeDocument/2006/relationships" xmlns:p="http://schemas.openxmlformats.org/presentationml/2006/main">
+  <p:cSld>
+    <p:spTree>
+      <p:nvGrpSpPr>
+        <p:cNvPr id="1" name=""/>
+        <p:cNvGrpSpPr/>
+        <p:nvPr/>
+      </p:nvGrpSpPr>
+      <p:grpSpPr>
+        <a:xfrm>
+          <a:off x="0" y="0"/>
+          <a:ext cx="0" cy="0"/>
+          <a:chOff x="0" y="0"/>
+          <a:chExt cx="0" cy="0"/>
+        </a:xfrm>
+      </p:grpSpPr>
+      <p:pic>
+        <p:nvPicPr>
+          <p:cNvPr id="1026" name="Picture 2"/>
+          <p:cNvPicPr>
+            <a:picLocks noChangeAspect="1" noChangeArrowheads="1"/>
+          </p:cNvPicPr>
+          <p:nvPr/>
+        </p:nvPicPr>
+        <p:blipFill>
+          <a:blip r:embed="rId2">
+            <a:extLst>
+              <a:ext uri="{28A0092B-C50C-407E-A947-70E740481C1C}">
+                <a14:useLocalDpi xmlns:a14="http://schemas.microsoft.com/office/drawing/2010/main" val="0"/>
+              </a:ext>
+            </a:extLst>
+          </a:blip>
+          <a:srcRect/>
+          <a:stretch>
+            <a:fillRect/>
+          </a:stretch>
+        </p:blipFill>
+        <p:spPr bwMode="auto">
+          <a:xfrm>
+            <a:off x="0" y="0"/>
+            <a:ext cx="18288000" cy="10287000"/>
+          </a:xfrm>
+          <a:prstGeom prst="rect">
+            <a:avLst/>
+          </a:prstGeom>
+          <a:noFill/>
+          <a:ln>
+            <a:noFill/>
+          </a:ln>
+          <a:extLst>
+            <a:ext uri="{909E8E84-426E-40DD-AFC4-6F175D3DCCD1}">
+              <a14:hiddenFill xmlns:a14="http://schemas.microsoft.com/office/drawing/2010/main">
+                <a:solidFill>
+                  <a:schemeClr val="accent1"/>
+                </a:solidFill>
+              </a14:hiddenFill>
+            </a:ext>
+            <a:ext uri="{91240B29-F687-4F45-9708-019B960494DF}">
+              <a14:hiddenLine xmlns:a14="http://schemas.microsoft.com/office/drawing/2010/main" w="9525">
+                <a:solidFill>
+                  <a:schemeClr val="tx1"/>
+                </a:solidFill>
+                <a:miter lim="800000"/>
+                <a:headEnd/>
+                <a:tailEnd/>
+              </a14:hiddenLine>
+            </a:ext>
+          </a:extLst>
+        </p:spPr>
+      </p:pic>
+      <p:pic>
+        <p:nvPicPr>
+          <p:cNvPr id="1027" name="Picture 3"/>
+          <p:cNvPicPr>
+            <a:picLocks noChangeAspect="1" noChangeArrowheads="1"/>
+          </p:cNvPicPr>
+          <p:nvPr/>
+        </p:nvPicPr>
+        <p:blipFill rotWithShape="1">
+          <a:blip r:embed="rId3">
+            <a:extLst>
+              <a:ext uri="{28A0092B-C50C-407E-A947-70E740481C1C}">
+                <a14:useLocalDpi xmlns:a14="http://schemas.microsoft.com/office/drawing/2010/main" val="0"/>
+              </a:ext>
+            </a:extLst>
+          </a:blip>
+          <a:srcRect l="35992" t="48518" r="63282" b="48797"/>
+          <a:stretch/>
+        </p:blipFill>
+        <p:spPr bwMode="auto">
+          <a:xfrm>
+            <a:off x="764629" y="3107510"/>
+            <a:ext cx="132897" cy="276225"/>
+          </a:xfrm>
+          <a:prstGeom prst="rect">
+            <a:avLst/>
+          </a:prstGeom>
+          <a:noFill/>
+          <a:ln>
+            <a:noFill/>
+          </a:ln>
+          <a:extLst>
+            <a:ext uri="{909E8E84-426E-40DD-AFC4-6F175D3DCCD1}">
+              <a14:hiddenFill xmlns:a14="http://schemas.microsoft.com/office/drawing/2010/main">
+                <a:solidFill>
+                  <a:schemeClr val="accent1"/>
+                </a:solidFill>
+              </a14:hiddenFill>
+            </a:ext>
+            <a:ext uri="{91240B29-F687-4F45-9708-019B960494DF}">
+              <a14:hiddenLine xmlns:a14="http://schemas.microsoft.com/office/drawing/2010/main" w="9525">
+                <a:solidFill>
+                  <a:schemeClr val="tx1"/>
+                </a:solidFill>
+                <a:miter lim="800000"/>
+                <a:headEnd/>
+                <a:tailEnd/>
+              </a14:hiddenLine>
+            </a:ext>
+          </a:extLst>
+        </p:spPr>
+      </p:pic>
+      <p:pic>
+        <p:nvPicPr>
+          <p:cNvPr id="1028" name="Picture 4"/>
+          <p:cNvPicPr>
+            <a:picLocks noChangeAspect="1" noChangeArrowheads="1"/>
+          </p:cNvPicPr>
+          <p:nvPr/>
+        </p:nvPicPr>
+        <p:blipFill>
+          <a:blip r:embed="rId4">
+            <a:extLst>
+              <a:ext uri="{28A0092B-C50C-407E-A947-70E740481C1C}">
+                <a14:useLocalDpi xmlns:a14="http://schemas.microsoft.com/office/drawing/2010/main" val="0"/>
+              </a:ext>
+            </a:extLst>
+          </a:blip>
+          <a:srcRect/>
+          <a:stretch>
+            <a:fillRect/>
+          </a:stretch>
+        </p:blipFill>
+        <p:spPr bwMode="auto">
+          <a:xfrm>
+            <a:off x="1187624" y="3121797"/>
+            <a:ext cx="104775" cy="247650"/>
+          </a:xfrm>
+          <a:prstGeom prst="rect">
+            <a:avLst/>
+          </a:prstGeom>
+          <a:noFill/>
+          <a:ln>
+            <a:noFill/>
+          </a:ln>
+          <a:extLst>
+            <a:ext uri="{909E8E84-426E-40DD-AFC4-6F175D3DCCD1}">
+              <a14:hiddenFill xmlns:a14="http://schemas.microsoft.com/office/drawing/2010/main">
+                <a:solidFill>
+                  <a:schemeClr val="accent1"/>
+                </a:solidFill>
+              </a14:hiddenFill>
+            </a:ext>
+            <a:ext uri="{91240B29-F687-4F45-9708-019B960494DF}">
+              <a14:hiddenLine xmlns:a14="http://schemas.microsoft.com/office/drawing/2010/main" w="9525">
+                <a:solidFill>
+                  <a:schemeClr val="tx1"/>
+                </a:solidFill>
+                <a:miter lim="800000"/>
+                <a:headEnd/>
+                <a:tailEnd/>
+              </a14:hiddenLine>
+            </a:ext>
+          </a:extLst>
+        </p:spPr>
+      </p:pic>
+      <p:pic>
+        <p:nvPicPr>
+          <p:cNvPr id="1029" name="Picture 5"/>
+          <p:cNvPicPr>
+            <a:picLocks noChangeAspect="1" noChangeArrowheads="1"/>
+          </p:cNvPicPr>
+          <p:nvPr/>
+        </p:nvPicPr>
+        <p:blipFill>
+          <a:blip r:embed="rId5">
+            <a:extLst>
+              <a:ext uri="{28A0092B-C50C-407E-A947-70E740481C1C}">
+                <a14:useLocalDpi xmlns:a14="http://schemas.microsoft.com/office/drawing/2010/main" val="0"/>
+              </a:ext>
+            </a:extLst>
+          </a:blip>
+          <a:srcRect/>
+          <a:stretch>
+            <a:fillRect/>
+          </a:stretch>
+        </p:blipFill>
+        <p:spPr bwMode="auto">
+          <a:xfrm>
+            <a:off x="1619672" y="3102747"/>
+            <a:ext cx="133350" cy="285750"/>
+          </a:xfrm>
+          <a:prstGeom prst="rect">
+            <a:avLst/>
+          </a:prstGeom>
+          <a:noFill/>
+          <a:ln>
+            <a:noFill/>
+          </a:ln>
+          <a:extLst>
+            <a:ext uri="{909E8E84-426E-40DD-AFC4-6F175D3DCCD1}">
+              <a14:hiddenFill xmlns:a14="http://schemas.microsoft.com/office/drawing/2010/main">
+                <a:solidFill>
+                  <a:schemeClr val="accent1"/>
+                </a:solidFill>
+              </a14:hiddenFill>
+            </a:ext>
+            <a:ext uri="{91240B29-F687-4F45-9708-019B960494DF}">
+              <a14:hiddenLine xmlns:a14="http://schemas.microsoft.com/office/drawing/2010/main" w="9525">
+                <a:solidFill>
+                  <a:schemeClr val="tx1"/>
+                </a:solidFill>
+                <a:miter lim="800000"/>
+                <a:headEnd/>
+                <a:tailEnd/>
+              </a14:hiddenLine>
+            </a:ext>
+          </a:extLst>
+        </p:spPr>
+      </p:pic>
+      <p:pic>
+        <p:nvPicPr>
+          <p:cNvPr id="8" name="Picture 5"/>
+          <p:cNvPicPr>
+            <a:picLocks noChangeAspect="1" noChangeArrowheads="1"/>
+          </p:cNvPicPr>
+          <p:nvPr/>
+        </p:nvPicPr>
+        <p:blipFill>
+          <a:blip r:embed="rId5">
+            <a:extLst>
+              <a:ext uri="{28A0092B-C50C-407E-A947-70E740481C1C}">
+                <a14:useLocalDpi xmlns:a14="http://schemas.microsoft.com/office/drawing/2010/main" val="0"/>
+              </a:ext>
+            </a:extLst>
+          </a:blip>
+          <a:srcRect/>
+          <a:stretch>
+            <a:fillRect/>
+          </a:stretch>
+        </p:blipFill>
+        <p:spPr bwMode="auto">
+          <a:xfrm>
+            <a:off x="3707904" y="4221088"/>
+            <a:ext cx="133350" cy="285750"/>
+          </a:xfrm>
+          <a:prstGeom prst="rect">
+            <a:avLst/>
+          </a:prstGeom>
+          <a:noFill/>
+          <a:ln>
+            <a:noFill/>
+          </a:ln>
+          <a:extLst>
+            <a:ext uri="{909E8E84-426E-40DD-AFC4-6F175D3DCCD1}">
+              <a14:hiddenFill xmlns:a14="http://schemas.microsoft.com/office/drawing/2010/main">
+                <a:solidFill>
+                  <a:schemeClr val="accent1"/>
+                </a:solidFill>
+              </a14:hiddenFill>
+            </a:ext>
+            <a:ext uri="{91240B29-F687-4F45-9708-019B960494DF}">
+              <a14:hiddenLine xmlns:a14="http://schemas.microsoft.com/office/drawing/2010/main" w="9525">
+                <a:solidFill>
+                  <a:schemeClr val="tx1"/>
+                </a:solidFill>
+                <a:miter lim="800000"/>
+                <a:headEnd/>
+                <a:tailEnd/>
+              </a14:hiddenLine>
+            </a:ext>
+          </a:extLst>
+        </p:spPr>
+      </p:pic>
+      <p:pic>
+        <p:nvPicPr>
+          <p:cNvPr id="9" name="Picture 4"/>
+          <p:cNvPicPr>
+            <a:picLocks noChangeAspect="1" noChangeArrowheads="1"/>
+          </p:cNvPicPr>
+          <p:nvPr/>
+        </p:nvPicPr>
+        <p:blipFill>
+          <a:blip r:embed="rId4">
+            <a:extLst>
+              <a:ext uri="{28A0092B-C50C-407E-A947-70E740481C1C}">
+                <a14:useLocalDpi xmlns:a14="http://schemas.microsoft.com/office/drawing/2010/main" val="0"/>
+              </a:ext>
+            </a:extLst>
+          </a:blip>
+          <a:srcRect/>
+          <a:stretch>
+            <a:fillRect/>
+          </a:stretch>
+        </p:blipFill>
+        <p:spPr bwMode="auto">
+          <a:xfrm>
+            <a:off x="3315097" y="4240138"/>
+            <a:ext cx="104775" cy="247650"/>
+          </a:xfrm>
+          <a:prstGeom prst="rect">
+            <a:avLst/>
+          </a:prstGeom>
+          <a:noFill/>
+          <a:ln>
+            <a:noFill/>
+          </a:ln>
+          <a:extLst>
+            <a:ext uri="{909E8E84-426E-40DD-AFC4-6F175D3DCCD1}">
+              <a14:hiddenFill xmlns:a14="http://schemas.microsoft.com/office/drawing/2010/main">
+                <a:solidFill>
+                  <a:schemeClr val="accent1"/>
+                </a:solidFill>
+              </a14:hiddenFill>
+            </a:ext>
+            <a:ext uri="{91240B29-F687-4F45-9708-019B960494DF}">
+              <a14:hiddenLine xmlns:a14="http://schemas.microsoft.com/office/drawing/2010/main" w="9525">
+                <a:solidFill>
+                  <a:schemeClr val="tx1"/>
+                </a:solidFill>
+                <a:miter lim="800000"/>
+                <a:headEnd/>
+                <a:tailEnd/>
+              </a14:hiddenLine>
+            </a:ext>
+          </a:extLst>
+        </p:spPr>
+      </p:pic>
+      <p:pic>
+        <p:nvPicPr>
+          <p:cNvPr id="10" name="Picture 3"/>
+          <p:cNvPicPr>
+            <a:picLocks noChangeAspect="1" noChangeArrowheads="1"/>
+          </p:cNvPicPr>
+          <p:nvPr/>
+        </p:nvPicPr>
+        <p:blipFill rotWithShape="1">
+          <a:blip r:embed="rId3">
+            <a:extLst>
+              <a:ext uri="{28A0092B-C50C-407E-A947-70E740481C1C}">
+                <a14:useLocalDpi xmlns:a14="http://schemas.microsoft.com/office/drawing/2010/main" val="0"/>
+              </a:ext>
+            </a:extLst>
+          </a:blip>
+          <a:srcRect l="35992" t="48518" r="63282" b="48797"/>
+          <a:stretch/>
+        </p:blipFill>
+        <p:spPr bwMode="auto">
+          <a:xfrm>
+            <a:off x="2843808" y="4240138"/>
+            <a:ext cx="132897" cy="276225"/>
+          </a:xfrm>
+          <a:prstGeom prst="rect">
+            <a:avLst/>
+          </a:prstGeom>
+          <a:noFill/>
+          <a:ln>
+            <a:noFill/>
+          </a:ln>
+          <a:extLst>
+            <a:ext uri="{909E8E84-426E-40DD-AFC4-6F175D3DCCD1}">
+              <a14:hiddenFill xmlns:a14="http://schemas.microsoft.com/office/drawing/2010/main">
+                <a:solidFill>
+                  <a:schemeClr val="accent1"/>
+                </a:solidFill>
+              </a14:hiddenFill>
+            </a:ext>
+            <a:ext uri="{91240B29-F687-4F45-9708-019B960494DF}">
+              <a14:hiddenLine xmlns:a14="http://schemas.microsoft.com/office/drawing/2010/main" w="9525">
+                <a:solidFill>
+                  <a:schemeClr val="tx1"/>
+                </a:solidFill>
+                <a:miter lim="800000"/>
+                <a:headEnd/>
+                <a:tailEnd/>
+              </a14:hiddenLine>
+            </a:ext>
+          </a:extLst>
+        </p:spPr>
+      </p:pic>
+      <p:pic>
+        <p:nvPicPr>
+          <p:cNvPr id="1030" name="Picture 6"/>
+          <p:cNvPicPr>
+            <a:picLocks noChangeAspect="1" noChangeArrowheads="1"/>
+          </p:cNvPicPr>
+          <p:nvPr/>
+        </p:nvPicPr>
+        <p:blipFill>
+          <a:blip r:embed="rId6">
+            <a:extLst>
+              <a:ext uri="{28A0092B-C50C-407E-A947-70E740481C1C}">
+                <a14:useLocalDpi xmlns:a14="http://schemas.microsoft.com/office/drawing/2010/main" val="0"/>
+              </a:ext>
+            </a:extLst>
+          </a:blip>
+          <a:srcRect/>
+          <a:stretch>
+            <a:fillRect/>
+          </a:stretch>
+        </p:blipFill>
+        <p:spPr bwMode="auto">
+          <a:xfrm>
+            <a:off x="251520" y="4780756"/>
+            <a:ext cx="4286250" cy="952500"/>
+          </a:xfrm>
+          <a:prstGeom prst="rect">
+            <a:avLst/>
+          </a:prstGeom>
+          <a:noFill/>
+          <a:ln>
+            <a:noFill/>
+          </a:ln>
+          <a:extLst>
+            <a:ext uri="{909E8E84-426E-40DD-AFC4-6F175D3DCCD1}">
+              <a14:hiddenFill xmlns:a14="http://schemas.microsoft.com/office/drawing/2010/main">
+                <a:solidFill>
+                  <a:schemeClr val="accent1"/>
+                </a:solidFill>
+              </a14:hiddenFill>
+            </a:ext>
+            <a:ext uri="{91240B29-F687-4F45-9708-019B960494DF}">
+              <a14:hiddenLine xmlns:a14="http://schemas.microsoft.com/office/drawing/2010/main" w="9525">
+                <a:solidFill>
+                  <a:schemeClr val="tx1"/>
+                </a:solidFill>
+                <a:miter lim="800000"/>
+                <a:headEnd/>
+                <a:tailEnd/>
+              </a14:hiddenLine>
+            </a:ext>
+          </a:extLst>
+        </p:spPr>
+      </p:pic>
+      <p:pic>
+        <p:nvPicPr>
+          <p:cNvPr id="12" name="Picture 6"/>
+          <p:cNvPicPr>
+            <a:picLocks noChangeAspect="1" noChangeArrowheads="1"/>
+          </p:cNvPicPr>
+          <p:nvPr/>
+        </p:nvPicPr>
+        <p:blipFill>
+          <a:blip r:embed="rId6">
+            <a:extLst>
+              <a:ext uri="{28A0092B-C50C-407E-A947-70E740481C1C}">
+                <a14:useLocalDpi xmlns:a14="http://schemas.microsoft.com/office/drawing/2010/main" val="0"/>
+              </a:ext>
+            </a:extLst>
+          </a:blip>
+          <a:srcRect/>
+          <a:stretch>
+            <a:fillRect/>
+          </a:stretch>
+        </p:blipFill>
+        <p:spPr bwMode="auto">
+          <a:xfrm>
+            <a:off x="251520" y="5655660"/>
+            <a:ext cx="4286250" cy="952500"/>
+          </a:xfrm>
+          <a:prstGeom prst="rect">
+            <a:avLst/>
+          </a:prstGeom>
+          <a:noFill/>
+          <a:ln>
+            <a:noFill/>
+          </a:ln>
+          <a:extLst>
+            <a:ext uri="{909E8E84-426E-40DD-AFC4-6F175D3DCCD1}">
+              <a14:hiddenFill xmlns:a14="http://schemas.microsoft.com/office/drawing/2010/main">
+                <a:solidFill>
+                  <a:schemeClr val="accent1"/>
+                </a:solidFill>
+              </a14:hiddenFill>
+            </a:ext>
+            <a:ext uri="{91240B29-F687-4F45-9708-019B960494DF}">
+              <a14:hiddenLine xmlns:a14="http://schemas.microsoft.com/office/drawing/2010/main" w="9525">
+                <a:solidFill>
+                  <a:schemeClr val="tx1"/>
+                </a:solidFill>
+                <a:miter lim="800000"/>
+                <a:headEnd/>
+                <a:tailEnd/>
+              </a14:hiddenLine>
+            </a:ext>
+          </a:extLst>
+        </p:spPr>
+      </p:pic>
+      <p:pic>
+        <p:nvPicPr>
+          <p:cNvPr id="13" name="Picture 6"/>
+          <p:cNvPicPr>
+            <a:picLocks noChangeAspect="1" noChangeArrowheads="1"/>
+          </p:cNvPicPr>
+          <p:nvPr/>
+        </p:nvPicPr>
+        <p:blipFill>
+          <a:blip r:embed="rId6">
+            <a:extLst>
+              <a:ext uri="{28A0092B-C50C-407E-A947-70E740481C1C}">
+                <a14:useLocalDpi xmlns:a14="http://schemas.microsoft.com/office/drawing/2010/main" val="0"/>
+              </a:ext>
+            </a:extLst>
+          </a:blip>
+          <a:srcRect/>
+          <a:stretch>
+            <a:fillRect/>
+          </a:stretch>
+        </p:blipFill>
+        <p:spPr bwMode="auto">
+          <a:xfrm>
+            <a:off x="251520" y="6579662"/>
+            <a:ext cx="4286250" cy="952500"/>
+          </a:xfrm>
+          <a:prstGeom prst="rect">
+            <a:avLst/>
+          </a:prstGeom>
+          <a:noFill/>
+          <a:ln>
+            <a:noFill/>
+          </a:ln>
+          <a:extLst>
+            <a:ext uri="{909E8E84-426E-40DD-AFC4-6F175D3DCCD1}">
+              <a14:hiddenFill xmlns:a14="http://schemas.microsoft.com/office/drawing/2010/main">
+                <a:solidFill>
+                  <a:schemeClr val="accent1"/>
+                </a:solidFill>
+              </a14:hiddenFill>
+            </a:ext>
+            <a:ext uri="{91240B29-F687-4F45-9708-019B960494DF}">
+              <a14:hiddenLine xmlns:a14="http://schemas.microsoft.com/office/drawing/2010/main" w="9525">
+                <a:solidFill>
+                  <a:schemeClr val="tx1"/>
+                </a:solidFill>
+                <a:miter lim="800000"/>
+                <a:headEnd/>
+                <a:tailEnd/>
+              </a14:hiddenLine>
+            </a:ext>
+          </a:extLst>
+        </p:spPr>
+      </p:pic>
+      <p:pic>
+        <p:nvPicPr>
+          <p:cNvPr id="14" name="Picture 6"/>
+          <p:cNvPicPr>
+            <a:picLocks noChangeAspect="1" noChangeArrowheads="1"/>
+          </p:cNvPicPr>
+          <p:nvPr/>
+        </p:nvPicPr>
+        <p:blipFill>
+          <a:blip r:embed="rId6">
+            <a:extLst>
+              <a:ext uri="{28A0092B-C50C-407E-A947-70E740481C1C}">
+                <a14:useLocalDpi xmlns:a14="http://schemas.microsoft.com/office/drawing/2010/main" val="0"/>
+              </a:ext>
+            </a:extLst>
+          </a:blip>
+          <a:srcRect/>
+          <a:stretch>
+            <a:fillRect/>
+          </a:stretch>
+        </p:blipFill>
+        <p:spPr bwMode="auto">
+          <a:xfrm>
+            <a:off x="251520" y="3827140"/>
+            <a:ext cx="4286250" cy="952500"/>
+          </a:xfrm>
+          <a:prstGeom prst="rect">
+            <a:avLst/>
+          </a:prstGeom>
+          <a:noFill/>
+          <a:ln>
+            <a:noFill/>
+          </a:ln>
+          <a:extLst>
+            <a:ext uri="{909E8E84-426E-40DD-AFC4-6F175D3DCCD1}">
+              <a14:hiddenFill xmlns:a14="http://schemas.microsoft.com/office/drawing/2010/main">
+                <a:solidFill>
+                  <a:schemeClr val="accent1"/>
+                </a:solidFill>
+              </a14:hiddenFill>
+            </a:ext>
+            <a:ext uri="{91240B29-F687-4F45-9708-019B960494DF}">
+              <a14:hiddenLine xmlns:a14="http://schemas.microsoft.com/office/drawing/2010/main" w="9525">
+                <a:solidFill>
+                  <a:schemeClr val="tx1"/>
+                </a:solidFill>
+                <a:miter lim="800000"/>
+                <a:headEnd/>
+                <a:tailEnd/>
+              </a14:hiddenLine>
+            </a:ext>
+          </a:extLst>
+        </p:spPr>
+      </p:pic>
+      <p:sp>
+        <p:nvSpPr>
+          <p:cNvPr id="5" name="TextBox 4"/>
+          <p:cNvSpPr txBox="1"/>
+          <p:nvPr/>
+        </p:nvSpPr>
+        <p:spPr>
+          <a:xfrm>
+            <a:off x="582985" y="3097535"/>
+            <a:ext cx="576064" cy="338554"/>
+          </a:xfrm>
+          <a:prstGeom prst="rect">
+            <a:avLst/>
+          </a:prstGeom>
+          <a:noFill/>
+        </p:spPr>
+        <p:txBody>
+          <a:bodyPr wrap="square" rtlCol="0">
+            <a:spAutoFit/>
+          </a:bodyPr>
+          <a:lstStyle/>
+          <a:p>
+            <a:r>
+              <a:rPr lang="ru-RU" sz="1600" dirty="0" smtClean="0">
+                <a:solidFill>
+                  <a:schemeClr val="bg1"/>
+                </a:solidFill>
+                <a:latin typeface="Muller Bold" pitchFamily="50" charset="-52"/>
+              </a:rPr>
+              <a:t>47</a:t>
+            </a:r>
+            <a:endParaRPr lang="ru-RU" sz="1600" dirty="0">
+              <a:solidFill>
+                <a:schemeClr val="bg1"/>
+              </a:solidFill>
+              <a:latin typeface="Muller Bold" pitchFamily="50" charset="-52"/>
+            </a:endParaRPr>
+          </a:p>
+        </p:txBody>
+      </p:sp>
+      <p:sp>
+        <p:nvSpPr>
+          <p:cNvPr id="17" name="TextBox 16"/>
+          <p:cNvSpPr txBox="1"/>
+          <p:nvPr/>
+        </p:nvSpPr>
+        <p:spPr>
+          <a:xfrm>
+            <a:off x="986458" y="3099971"/>
+            <a:ext cx="576064" cy="338554"/>
+          </a:xfrm>
+          <a:prstGeom prst="rect">
+            <a:avLst/>
+          </a:prstGeom>
+          <a:noFill/>
+        </p:spPr>
+        <p:txBody>
+          <a:bodyPr wrap="square" rtlCol="0">
+            <a:spAutoFit/>
+          </a:bodyPr>
+          <a:lstStyle/>
+          <a:p>
+            <a:r>
+              <a:rPr lang="en-US" sz="1600" dirty="0" smtClean="0">
+                <a:solidFill>
+                  <a:schemeClr val="bg1"/>
+                </a:solidFill>
+                <a:latin typeface="Muller Bold" pitchFamily="50" charset="-52"/>
+              </a:rPr>
+              <a:t>313</a:t>
+            </a:r>
+            <a:endParaRPr lang="ru-RU" sz="1600" dirty="0">
+              <a:solidFill>
+                <a:schemeClr val="bg1"/>
+              </a:solidFill>
+              <a:latin typeface="Muller Bold" pitchFamily="50" charset="-52"/>
+            </a:endParaRPr>
+          </a:p>
+        </p:txBody>
+      </p:sp>
+      <p:sp>
+        <p:nvSpPr>
+          <p:cNvPr id="18" name="TextBox 17"/>
+          <p:cNvSpPr txBox="1"/>
+          <p:nvPr/>
+        </p:nvSpPr>
+        <p:spPr>
+          <a:xfrm>
+            <a:off x="1418506" y="3099971"/>
+            <a:ext cx="576064" cy="338554"/>
+          </a:xfrm>
+          <a:prstGeom prst="rect">
+            <a:avLst/>
+          </a:prstGeom>
+          <a:noFill/>
+        </p:spPr>
+        <p:txBody>
+          <a:bodyPr wrap="square" rtlCol="0">
+            <a:spAutoFit/>
+          </a:bodyPr>
+          <a:lstStyle/>
+          <a:p>
+            <a:r>
+              <a:rPr lang="en-US" sz="1600" dirty="0" smtClean="0">
+                <a:solidFill>
+                  <a:schemeClr val="bg1"/>
+                </a:solidFill>
+                <a:latin typeface="Muller Bold" pitchFamily="50" charset="-52"/>
+              </a:rPr>
+              <a:t>157</a:t>
+            </a:r>
+            <a:endParaRPr lang="ru-RU" sz="1600" dirty="0">
+              <a:solidFill>
+                <a:schemeClr val="bg1"/>
+              </a:solidFill>
+              <a:latin typeface="Muller Bold" pitchFamily="50" charset="-52"/>
+            </a:endParaRPr>
+          </a:p>
+        </p:txBody>
+      </p:sp>
+      <p:sp>
+        <p:nvSpPr>
+          <p:cNvPr id="6" name="TextBox 5"/>
+          <p:cNvSpPr txBox="1"/>
+          <p:nvPr/>
+        </p:nvSpPr>
+        <p:spPr>
+          <a:xfrm>
+            <a:off x="467544" y="4170566"/>
+            <a:ext cx="1934172" cy="338554"/>
+          </a:xfrm>
+          <a:prstGeom prst="rect">
+            <a:avLst/>
+          </a:prstGeom>
+          <a:solidFill>
+            <a:schemeClr val="bg1"/>
+          </a:solidFill>
+        </p:spPr>
+        <p:txBody>
+          <a:bodyPr wrap="square" rtlCol="0">
+            <a:spAutoFit/>
+          </a:bodyPr>
+          <a:lstStyle/>
+          <a:p>
+            <a:r>
+              <a:rPr lang="en-US" sz="1600" dirty="0" smtClean="0">
+                <a:solidFill>
+                  <a:schemeClr val="bg1">
+                    <a:lumMod val="50000"/>
+                  </a:schemeClr>
+                </a:solidFill>
+                <a:latin typeface="Muller Bold" pitchFamily="50" charset="-52"/>
+              </a:rPr>
+              <a:t>1</a:t>
+            </a:r>
+            <a:r>
+              <a:rPr lang="ru-RU" sz="1600" dirty="0" smtClean="0">
+                <a:solidFill>
+                  <a:schemeClr val="bg1">
+                    <a:lumMod val="50000"/>
+                  </a:schemeClr>
+                </a:solidFill>
+                <a:latin typeface="Muller Bold" pitchFamily="50" charset="-52"/>
+              </a:rPr>
+              <a:t>. Егор Петров</a:t>
+            </a:r>
+            <a:endParaRPr lang="ru-RU" sz="1600" dirty="0">
+              <a:solidFill>
+                <a:schemeClr val="bg1">
+                  <a:lumMod val="50000"/>
+                </a:schemeClr>
+              </a:solidFill>
+              <a:latin typeface="Muller Bold" pitchFamily="50" charset="-52"/>
+            </a:endParaRPr>
+          </a:p>
+        </p:txBody>
+      </p:sp>
+      <p:sp>
+        <p:nvSpPr>
+          <p:cNvPr id="21" name="TextBox 20"/>
+          <p:cNvSpPr txBox="1"/>
+          <p:nvPr/>
+        </p:nvSpPr>
+        <p:spPr>
+          <a:xfrm>
+            <a:off x="477588" y="5979819"/>
+            <a:ext cx="2150196" cy="338554"/>
+          </a:xfrm>
+          <a:prstGeom prst="rect">
+            <a:avLst/>
+          </a:prstGeom>
+          <a:solidFill>
+            <a:schemeClr val="bg1"/>
+          </a:solidFill>
+        </p:spPr>
+        <p:txBody>
+          <a:bodyPr wrap="square" rtlCol="0">
+            <a:spAutoFit/>
+          </a:bodyPr>
+          <a:lstStyle/>
+          <a:p>
+            <a:r>
+              <a:rPr lang="ru-RU" sz="1600" dirty="0" smtClean="0">
+                <a:solidFill>
+                  <a:schemeClr val="bg1">
+                    <a:lumMod val="50000"/>
+                  </a:schemeClr>
+                </a:solidFill>
+                <a:latin typeface="Muller Bold" pitchFamily="50" charset="-52"/>
+              </a:rPr>
+              <a:t>3. Игорь Ким</a:t>
+            </a:r>
+            <a:endParaRPr lang="ru-RU" sz="1600" dirty="0">
+              <a:solidFill>
+                <a:schemeClr val="bg1">
+                  <a:lumMod val="50000"/>
+                </a:schemeClr>
+              </a:solidFill>
+              <a:latin typeface="Muller Bold" pitchFamily="50" charset="-52"/>
+            </a:endParaRPr>
+          </a:p>
+        </p:txBody>
+      </p:sp>
+      <p:sp>
+        <p:nvSpPr>
+          <p:cNvPr id="22" name="TextBox 21"/>
+          <p:cNvSpPr txBox="1"/>
+          <p:nvPr/>
+        </p:nvSpPr>
+        <p:spPr>
+          <a:xfrm>
+            <a:off x="467544" y="6906870"/>
+            <a:ext cx="2150196" cy="338554"/>
+          </a:xfrm>
+          <a:prstGeom prst="rect">
+            <a:avLst/>
+          </a:prstGeom>
+          <a:solidFill>
+            <a:schemeClr val="bg1"/>
+          </a:solidFill>
+        </p:spPr>
+        <p:txBody>
+          <a:bodyPr wrap="square" rtlCol="0">
+            <a:spAutoFit/>
+          </a:bodyPr>
+          <a:lstStyle/>
+          <a:p>
+            <a:r>
+              <a:rPr lang="ru-RU" sz="1600" dirty="0" smtClean="0">
+                <a:solidFill>
+                  <a:schemeClr val="bg1">
+                    <a:lumMod val="50000"/>
+                  </a:schemeClr>
+                </a:solidFill>
+                <a:latin typeface="Muller Bold" pitchFamily="50" charset="-52"/>
+              </a:rPr>
+              <a:t>4. Стас Васильев</a:t>
+            </a:r>
+            <a:endParaRPr lang="ru-RU" sz="1600" dirty="0">
+              <a:solidFill>
+                <a:schemeClr val="bg1">
+                  <a:lumMod val="50000"/>
+                </a:schemeClr>
+              </a:solidFill>
+              <a:latin typeface="Muller Bold" pitchFamily="50" charset="-52"/>
+            </a:endParaRPr>
+          </a:p>
+        </p:txBody>
+      </p:sp>
+      <p:sp>
+        <p:nvSpPr>
+          <p:cNvPr id="23" name="TextBox 22"/>
+          <p:cNvSpPr txBox="1"/>
+          <p:nvPr/>
+        </p:nvSpPr>
+        <p:spPr>
+          <a:xfrm>
+            <a:off x="2771800" y="4170566"/>
+            <a:ext cx="576064" cy="338554"/>
+          </a:xfrm>
+          <a:prstGeom prst="rect">
+            <a:avLst/>
+          </a:prstGeom>
+          <a:noFill/>
+        </p:spPr>
+        <p:txBody>
+          <a:bodyPr wrap="square" rtlCol="0">
+            <a:spAutoFit/>
+          </a:bodyPr>
+          <a:lstStyle/>
+          <a:p>
+            <a:r>
+              <a:rPr lang="ru-RU" sz="1600" dirty="0" smtClean="0">
+                <a:solidFill>
+                  <a:schemeClr val="bg1"/>
+                </a:solidFill>
+                <a:latin typeface="Muller Bold" pitchFamily="50" charset="-52"/>
+              </a:rPr>
+              <a:t>10</a:t>
+            </a:r>
+            <a:endParaRPr lang="ru-RU" sz="1600" dirty="0">
+              <a:solidFill>
+                <a:schemeClr val="bg1"/>
+              </a:solidFill>
+              <a:latin typeface="Muller Bold" pitchFamily="50" charset="-52"/>
+            </a:endParaRPr>
+          </a:p>
+        </p:txBody>
+      </p:sp>
+      <p:sp>
+        <p:nvSpPr>
+          <p:cNvPr id="24" name="TextBox 23"/>
+          <p:cNvSpPr txBox="1"/>
+          <p:nvPr/>
+        </p:nvSpPr>
+        <p:spPr>
+          <a:xfrm>
+            <a:off x="2843808" y="5121396"/>
+            <a:ext cx="576064" cy="338554"/>
+          </a:xfrm>
+          <a:prstGeom prst="rect">
+            <a:avLst/>
+          </a:prstGeom>
+          <a:noFill/>
+        </p:spPr>
+        <p:txBody>
+          <a:bodyPr wrap="square" rtlCol="0">
+            <a:spAutoFit/>
+          </a:bodyPr>
+          <a:lstStyle/>
+          <a:p>
+            <a:r>
+              <a:rPr lang="ru-RU" sz="1600" dirty="0" smtClean="0">
+                <a:solidFill>
+                  <a:schemeClr val="bg1"/>
+                </a:solidFill>
+                <a:latin typeface="Muller Bold" pitchFamily="50" charset="-52"/>
+              </a:rPr>
+              <a:t>9</a:t>
+            </a:r>
+            <a:endParaRPr lang="ru-RU" sz="1600" dirty="0">
+              <a:solidFill>
+                <a:schemeClr val="bg1"/>
+              </a:solidFill>
+              <a:latin typeface="Muller Bold" pitchFamily="50" charset="-52"/>
+            </a:endParaRPr>
+          </a:p>
+        </p:txBody>
+      </p:sp>
+      <p:sp>
+        <p:nvSpPr>
+          <p:cNvPr id="20" name="TextBox 19"/>
+          <p:cNvSpPr txBox="1"/>
+          <p:nvPr/>
+        </p:nvSpPr>
+        <p:spPr>
+          <a:xfrm>
+            <a:off x="467544" y="5106670"/>
+            <a:ext cx="2016224" cy="338554"/>
+          </a:xfrm>
+          <a:prstGeom prst="rect">
+            <a:avLst/>
+          </a:prstGeom>
+          <a:solidFill>
+            <a:schemeClr val="bg1"/>
+          </a:solidFill>
+        </p:spPr>
+        <p:txBody>
+          <a:bodyPr wrap="square" rtlCol="0">
+            <a:spAutoFit/>
+          </a:bodyPr>
+          <a:lstStyle/>
+          <a:p>
+            <a:r>
+              <a:rPr lang="en-US" sz="1600" dirty="0" smtClean="0">
+                <a:solidFill>
+                  <a:schemeClr val="bg1">
+                    <a:lumMod val="50000"/>
+                  </a:schemeClr>
+                </a:solidFill>
+                <a:latin typeface="Muller Bold" pitchFamily="50" charset="-52"/>
+              </a:rPr>
+              <a:t>2</a:t>
+            </a:r>
+            <a:r>
+              <a:rPr lang="ru-RU" sz="1600" dirty="0" smtClean="0">
+                <a:solidFill>
+                  <a:schemeClr val="bg1">
+                    <a:lumMod val="50000"/>
+                  </a:schemeClr>
+                </a:solidFill>
+                <a:latin typeface="Muller Bold" pitchFamily="50" charset="-52"/>
+              </a:rPr>
+              <a:t>. Ирина Павлова</a:t>
+            </a:r>
+            <a:endParaRPr lang="ru-RU" sz="1600" dirty="0">
+              <a:solidFill>
+                <a:schemeClr val="bg1">
+                  <a:lumMod val="50000"/>
+                </a:schemeClr>
+              </a:solidFill>
+              <a:latin typeface="Muller Bold" pitchFamily="50" charset="-52"/>
+            </a:endParaRPr>
+          </a:p>
+        </p:txBody>
+      </p:sp>
+      <p:sp>
+        <p:nvSpPr>
+          <p:cNvPr id="25" name="TextBox 24"/>
+          <p:cNvSpPr txBox="1"/>
+          <p:nvPr/>
+        </p:nvSpPr>
+        <p:spPr>
+          <a:xfrm>
+            <a:off x="2843808" y="5997509"/>
+            <a:ext cx="576064" cy="338554"/>
+          </a:xfrm>
+          <a:prstGeom prst="rect">
+            <a:avLst/>
+          </a:prstGeom>
+          <a:noFill/>
+        </p:spPr>
+        <p:txBody>
+          <a:bodyPr wrap="square" rtlCol="0">
+            <a:spAutoFit/>
+          </a:bodyPr>
+          <a:lstStyle/>
+          <a:p>
+            <a:r>
+              <a:rPr lang="ru-RU" sz="1600" dirty="0">
+                <a:solidFill>
+                  <a:schemeClr val="bg1"/>
+                </a:solidFill>
+                <a:latin typeface="Muller Bold" pitchFamily="50" charset="-52"/>
+              </a:rPr>
+              <a:t>8</a:t>
+            </a:r>
+          </a:p>
+        </p:txBody>
+      </p:sp>
+      <p:sp>
+        <p:nvSpPr>
+          <p:cNvPr id="26" name="TextBox 25"/>
+          <p:cNvSpPr txBox="1"/>
+          <p:nvPr/>
+        </p:nvSpPr>
+        <p:spPr>
+          <a:xfrm>
+            <a:off x="2843808" y="6924976"/>
+            <a:ext cx="576064" cy="338554"/>
+          </a:xfrm>
+          <a:prstGeom prst="rect">
+            <a:avLst/>
+          </a:prstGeom>
+          <a:noFill/>
+        </p:spPr>
+        <p:txBody>
+          <a:bodyPr wrap="square" rtlCol="0">
+            <a:spAutoFit/>
+          </a:bodyPr>
+          <a:lstStyle/>
+          <a:p>
+            <a:r>
+              <a:rPr lang="ru-RU" sz="1600" dirty="0" smtClean="0">
+                <a:solidFill>
+                  <a:schemeClr val="bg1"/>
+                </a:solidFill>
+                <a:latin typeface="Muller Bold" pitchFamily="50" charset="-52"/>
+              </a:rPr>
+              <a:t>7</a:t>
+            </a:r>
+            <a:endParaRPr lang="ru-RU" sz="1600" dirty="0">
+              <a:solidFill>
+                <a:schemeClr val="bg1"/>
+              </a:solidFill>
+              <a:latin typeface="Muller Bold" pitchFamily="50" charset="-52"/>
+            </a:endParaRPr>
+          </a:p>
+        </p:txBody>
+      </p:sp>
+      <p:sp>
+        <p:nvSpPr>
+          <p:cNvPr id="27" name="TextBox 26"/>
+          <p:cNvSpPr txBox="1"/>
+          <p:nvPr/>
+        </p:nvSpPr>
+        <p:spPr>
+          <a:xfrm>
+            <a:off x="3347864" y="6002041"/>
+            <a:ext cx="576064" cy="338554"/>
+          </a:xfrm>
+          <a:prstGeom prst="rect">
+            <a:avLst/>
+          </a:prstGeom>
+          <a:noFill/>
+        </p:spPr>
+        <p:txBody>
+          <a:bodyPr wrap="square" rtlCol="0">
+            <a:spAutoFit/>
+          </a:bodyPr>
+          <a:lstStyle/>
+          <a:p>
+            <a:r>
+              <a:rPr lang="ru-RU" sz="1600" dirty="0">
+                <a:solidFill>
+                  <a:schemeClr val="bg1"/>
+                </a:solidFill>
+                <a:latin typeface="Muller Bold" pitchFamily="50" charset="-52"/>
+              </a:rPr>
+              <a:t>8</a:t>
+            </a:r>
+          </a:p>
+        </p:txBody>
+      </p:sp>
+      <p:sp>
+        <p:nvSpPr>
+          <p:cNvPr id="28" name="TextBox 27"/>
+          <p:cNvSpPr txBox="1"/>
+          <p:nvPr/>
+        </p:nvSpPr>
+        <p:spPr>
+          <a:xfrm>
+            <a:off x="3347864" y="6921180"/>
+            <a:ext cx="576064" cy="338554"/>
+          </a:xfrm>
+          <a:prstGeom prst="rect">
+            <a:avLst/>
+          </a:prstGeom>
+          <a:noFill/>
+        </p:spPr>
+        <p:txBody>
+          <a:bodyPr wrap="square" rtlCol="0">
+            <a:spAutoFit/>
+          </a:bodyPr>
+          <a:lstStyle/>
+          <a:p>
+            <a:r>
+              <a:rPr lang="ru-RU" sz="1600" dirty="0" smtClean="0">
+                <a:solidFill>
+                  <a:schemeClr val="bg1"/>
+                </a:solidFill>
+                <a:latin typeface="Muller Bold" pitchFamily="50" charset="-52"/>
+              </a:rPr>
+              <a:t>7</a:t>
+            </a:r>
+            <a:endParaRPr lang="ru-RU" sz="1600" dirty="0">
+              <a:solidFill>
+                <a:schemeClr val="bg1"/>
+              </a:solidFill>
+              <a:latin typeface="Muller Bold" pitchFamily="50" charset="-52"/>
+            </a:endParaRPr>
+          </a:p>
+        </p:txBody>
+      </p:sp>
+      <p:sp>
+        <p:nvSpPr>
+          <p:cNvPr id="29" name="TextBox 28"/>
+          <p:cNvSpPr txBox="1"/>
+          <p:nvPr/>
+        </p:nvSpPr>
+        <p:spPr>
+          <a:xfrm>
+            <a:off x="3347864" y="5124776"/>
+            <a:ext cx="576064" cy="338554"/>
+          </a:xfrm>
+          <a:prstGeom prst="rect">
+            <a:avLst/>
+          </a:prstGeom>
+          <a:noFill/>
+        </p:spPr>
+        <p:txBody>
+          <a:bodyPr wrap="square" rtlCol="0">
+            <a:spAutoFit/>
+          </a:bodyPr>
+          <a:lstStyle/>
+          <a:p>
+            <a:r>
+              <a:rPr lang="ru-RU" sz="1600" dirty="0" smtClean="0">
+                <a:solidFill>
+                  <a:schemeClr val="bg1"/>
+                </a:solidFill>
+                <a:latin typeface="Muller Bold" pitchFamily="50" charset="-52"/>
+              </a:rPr>
+              <a:t>9</a:t>
+            </a:r>
+            <a:endParaRPr lang="ru-RU" sz="1600" dirty="0">
+              <a:solidFill>
+                <a:schemeClr val="bg1"/>
+              </a:solidFill>
+              <a:latin typeface="Muller Bold" pitchFamily="50" charset="-52"/>
+            </a:endParaRPr>
+          </a:p>
+        </p:txBody>
+      </p:sp>
+      <p:sp>
+        <p:nvSpPr>
+          <p:cNvPr id="30" name="TextBox 29"/>
+          <p:cNvSpPr txBox="1"/>
+          <p:nvPr/>
+        </p:nvSpPr>
+        <p:spPr>
+          <a:xfrm>
+            <a:off x="3275856" y="4170566"/>
+            <a:ext cx="576064" cy="338554"/>
+          </a:xfrm>
+          <a:prstGeom prst="rect">
+            <a:avLst/>
+          </a:prstGeom>
+          <a:noFill/>
+        </p:spPr>
+        <p:txBody>
+          <a:bodyPr wrap="square" rtlCol="0">
+            <a:spAutoFit/>
+          </a:bodyPr>
+          <a:lstStyle/>
+          <a:p>
+            <a:r>
+              <a:rPr lang="ru-RU" sz="1600" dirty="0" smtClean="0">
+                <a:solidFill>
+                  <a:schemeClr val="bg1"/>
+                </a:solidFill>
+                <a:latin typeface="Muller Bold" pitchFamily="50" charset="-52"/>
+              </a:rPr>
+              <a:t>10</a:t>
+            </a:r>
+            <a:endParaRPr lang="ru-RU" sz="1600" dirty="0">
+              <a:solidFill>
+                <a:schemeClr val="bg1"/>
+              </a:solidFill>
+              <a:latin typeface="Muller Bold" pitchFamily="50" charset="-52"/>
+            </a:endParaRPr>
+          </a:p>
+        </p:txBody>
+      </p:sp>
+      <p:sp>
+        <p:nvSpPr>
+          <p:cNvPr id="31" name="TextBox 30"/>
+          <p:cNvSpPr txBox="1"/>
+          <p:nvPr/>
+        </p:nvSpPr>
+        <p:spPr>
+          <a:xfrm>
+            <a:off x="3798018" y="6921596"/>
+            <a:ext cx="576064" cy="338554"/>
+          </a:xfrm>
+          <a:prstGeom prst="rect">
+            <a:avLst/>
+          </a:prstGeom>
+          <a:noFill/>
+        </p:spPr>
+        <p:txBody>
+          <a:bodyPr wrap="square" rtlCol="0">
+            <a:spAutoFit/>
+          </a:bodyPr>
+          <a:lstStyle/>
+          <a:p>
+            <a:r>
+              <a:rPr lang="ru-RU" sz="1600" dirty="0" smtClean="0">
+                <a:solidFill>
+                  <a:schemeClr val="bg1"/>
+                </a:solidFill>
+                <a:latin typeface="Muller Bold" pitchFamily="50" charset="-52"/>
+              </a:rPr>
+              <a:t>3</a:t>
+            </a:r>
+            <a:endParaRPr lang="ru-RU" sz="1600" dirty="0">
+              <a:solidFill>
+                <a:schemeClr val="bg1"/>
+              </a:solidFill>
+              <a:latin typeface="Muller Bold" pitchFamily="50" charset="-52"/>
+            </a:endParaRPr>
+          </a:p>
+        </p:txBody>
+      </p:sp>
+      <p:sp>
+        <p:nvSpPr>
+          <p:cNvPr id="32" name="TextBox 31"/>
+          <p:cNvSpPr txBox="1"/>
+          <p:nvPr/>
+        </p:nvSpPr>
+        <p:spPr>
+          <a:xfrm>
+            <a:off x="3779912" y="6012235"/>
+            <a:ext cx="576064" cy="338554"/>
+          </a:xfrm>
+          <a:prstGeom prst="rect">
+            <a:avLst/>
+          </a:prstGeom>
+          <a:noFill/>
+        </p:spPr>
+        <p:txBody>
+          <a:bodyPr wrap="square" rtlCol="0">
+            <a:spAutoFit/>
+          </a:bodyPr>
+          <a:lstStyle/>
+          <a:p>
+            <a:r>
+              <a:rPr lang="ru-RU" sz="1600" dirty="0" smtClean="0">
+                <a:solidFill>
+                  <a:schemeClr val="bg1"/>
+                </a:solidFill>
+                <a:latin typeface="Muller Bold" pitchFamily="50" charset="-52"/>
+              </a:rPr>
+              <a:t>2</a:t>
+            </a:r>
+            <a:endParaRPr lang="ru-RU" sz="1600" dirty="0">
+              <a:solidFill>
+                <a:schemeClr val="bg1"/>
+              </a:solidFill>
+              <a:latin typeface="Muller Bold" pitchFamily="50" charset="-52"/>
+            </a:endParaRPr>
+          </a:p>
+        </p:txBody>
+      </p:sp>
+      <p:sp>
+        <p:nvSpPr>
+          <p:cNvPr id="33" name="TextBox 32"/>
+          <p:cNvSpPr txBox="1"/>
+          <p:nvPr/>
+        </p:nvSpPr>
+        <p:spPr>
+          <a:xfrm>
+            <a:off x="3779912" y="5115723"/>
+            <a:ext cx="576064" cy="338554"/>
+          </a:xfrm>
+          <a:prstGeom prst="rect">
+            <a:avLst/>
+          </a:prstGeom>
+          <a:noFill/>
+        </p:spPr>
+        <p:txBody>
+          <a:bodyPr wrap="square" rtlCol="0">
+            <a:spAutoFit/>
+          </a:bodyPr>
+          <a:lstStyle/>
+          <a:p>
+            <a:r>
+              <a:rPr lang="ru-RU" sz="1600" dirty="0" smtClean="0">
+                <a:solidFill>
+                  <a:schemeClr val="bg1"/>
+                </a:solidFill>
+                <a:latin typeface="Muller Bold" pitchFamily="50" charset="-52"/>
+              </a:rPr>
+              <a:t>1</a:t>
+            </a:r>
+            <a:endParaRPr lang="ru-RU" sz="1600" dirty="0">
+              <a:solidFill>
+                <a:schemeClr val="bg1"/>
+              </a:solidFill>
+              <a:latin typeface="Muller Bold" pitchFamily="50" charset="-52"/>
+            </a:endParaRPr>
+          </a:p>
+        </p:txBody>
+      </p:sp>
+      <p:sp>
+        <p:nvSpPr>
+          <p:cNvPr id="34" name="TextBox 33"/>
+          <p:cNvSpPr txBox="1"/>
+          <p:nvPr/>
+        </p:nvSpPr>
+        <p:spPr>
+          <a:xfrm>
+            <a:off x="3779912" y="4170566"/>
+            <a:ext cx="576064" cy="338554"/>
+          </a:xfrm>
+          <a:prstGeom prst="rect">
+            <a:avLst/>
+          </a:prstGeom>
+          <a:noFill/>
+        </p:spPr>
+        <p:txBody>
+          <a:bodyPr wrap="square" rtlCol="0">
+            <a:spAutoFit/>
+          </a:bodyPr>
+          <a:lstStyle/>
+          <a:p>
+            <a:r>
+              <a:rPr lang="ru-RU" sz="1600" dirty="0" smtClean="0">
+                <a:solidFill>
+                  <a:schemeClr val="bg1"/>
+                </a:solidFill>
+                <a:latin typeface="Muller Bold" pitchFamily="50" charset="-52"/>
+              </a:rPr>
+              <a:t>0</a:t>
+            </a:r>
+            <a:endParaRPr lang="ru-RU" sz="1600" dirty="0">
+              <a:solidFill>
+                <a:schemeClr val="bg1"/>
+              </a:solidFill>
+              <a:latin typeface="Muller Bold" pitchFamily="50" charset="-52"/>
+            </a:endParaRPr>
+          </a:p>
+        </p:txBody>
+      </p:sp>
+    </p:spTree>
+    <p:extLst>
+      <p:ext uri="{BB962C8B-B14F-4D97-AF65-F5344CB8AC3E}">
+        <p14:creationId xmlns:p14="http://schemas.microsoft.com/office/powerpoint/2010/main" val="3175448541"/>
+      </p:ext>
+    </p:extLst>
+  </p:cSld>
+  <p:clrMapOvr>
+    <a:masterClrMapping/>
+  </p:clrMapOvr>
+  <p:timing>
+    <p:tnLst>
+      <p:par>
+        <p:cTn id="1" dur="indefinite" restart="never" nodeType="tmRoot"/>
+      </p:par>
+    </p:tnLst>
+  </p:timing>
+</p:sld>
+</file>
+
 <file path=ppt/theme/theme1.xml><?xml version="1.0" encoding="utf-8"?>
 <a:theme xmlns:a="http://schemas.openxmlformats.org/drawingml/2006/main" name="Тема Office">
   <a:themeElements>
